--- a/images/12jeong.pptx
+++ b/images/12jeong.pptx
@@ -243,7 +243,7 @@
           <a:p>
             <a:fld id="{444D7D7D-1043-4BC6-AE50-DBF2445C52ED}" type="datetimeFigureOut">
               <a:rPr lang="ko-KR" altLang="en-US" smtClean="0"/>
-              <a:t>2019-02-19</a:t>
+              <a:t>2020-01-08</a:t>
             </a:fld>
             <a:endParaRPr lang="ko-KR" altLang="en-US"/>
           </a:p>
@@ -413,7 +413,7 @@
           <a:p>
             <a:fld id="{444D7D7D-1043-4BC6-AE50-DBF2445C52ED}" type="datetimeFigureOut">
               <a:rPr lang="ko-KR" altLang="en-US" smtClean="0"/>
-              <a:t>2019-02-19</a:t>
+              <a:t>2020-01-08</a:t>
             </a:fld>
             <a:endParaRPr lang="ko-KR" altLang="en-US"/>
           </a:p>
@@ -593,7 +593,7 @@
           <a:p>
             <a:fld id="{444D7D7D-1043-4BC6-AE50-DBF2445C52ED}" type="datetimeFigureOut">
               <a:rPr lang="ko-KR" altLang="en-US" smtClean="0"/>
-              <a:t>2019-02-19</a:t>
+              <a:t>2020-01-08</a:t>
             </a:fld>
             <a:endParaRPr lang="ko-KR" altLang="en-US"/>
           </a:p>
@@ -763,7 +763,7 @@
           <a:p>
             <a:fld id="{444D7D7D-1043-4BC6-AE50-DBF2445C52ED}" type="datetimeFigureOut">
               <a:rPr lang="ko-KR" altLang="en-US" smtClean="0"/>
-              <a:t>2019-02-19</a:t>
+              <a:t>2020-01-08</a:t>
             </a:fld>
             <a:endParaRPr lang="ko-KR" altLang="en-US"/>
           </a:p>
@@ -1009,7 +1009,7 @@
           <a:p>
             <a:fld id="{444D7D7D-1043-4BC6-AE50-DBF2445C52ED}" type="datetimeFigureOut">
               <a:rPr lang="ko-KR" altLang="en-US" smtClean="0"/>
-              <a:t>2019-02-19</a:t>
+              <a:t>2020-01-08</a:t>
             </a:fld>
             <a:endParaRPr lang="ko-KR" altLang="en-US"/>
           </a:p>
@@ -1241,7 +1241,7 @@
           <a:p>
             <a:fld id="{444D7D7D-1043-4BC6-AE50-DBF2445C52ED}" type="datetimeFigureOut">
               <a:rPr lang="ko-KR" altLang="en-US" smtClean="0"/>
-              <a:t>2019-02-19</a:t>
+              <a:t>2020-01-08</a:t>
             </a:fld>
             <a:endParaRPr lang="ko-KR" altLang="en-US"/>
           </a:p>
@@ -1608,7 +1608,7 @@
           <a:p>
             <a:fld id="{444D7D7D-1043-4BC6-AE50-DBF2445C52ED}" type="datetimeFigureOut">
               <a:rPr lang="ko-KR" altLang="en-US" smtClean="0"/>
-              <a:t>2019-02-19</a:t>
+              <a:t>2020-01-08</a:t>
             </a:fld>
             <a:endParaRPr lang="ko-KR" altLang="en-US"/>
           </a:p>
@@ -1726,7 +1726,7 @@
           <a:p>
             <a:fld id="{444D7D7D-1043-4BC6-AE50-DBF2445C52ED}" type="datetimeFigureOut">
               <a:rPr lang="ko-KR" altLang="en-US" smtClean="0"/>
-              <a:t>2019-02-19</a:t>
+              <a:t>2020-01-08</a:t>
             </a:fld>
             <a:endParaRPr lang="ko-KR" altLang="en-US"/>
           </a:p>
@@ -1821,7 +1821,7 @@
           <a:p>
             <a:fld id="{444D7D7D-1043-4BC6-AE50-DBF2445C52ED}" type="datetimeFigureOut">
               <a:rPr lang="ko-KR" altLang="en-US" smtClean="0"/>
-              <a:t>2019-02-19</a:t>
+              <a:t>2020-01-08</a:t>
             </a:fld>
             <a:endParaRPr lang="ko-KR" altLang="en-US"/>
           </a:p>
@@ -2098,7 +2098,7 @@
           <a:p>
             <a:fld id="{444D7D7D-1043-4BC6-AE50-DBF2445C52ED}" type="datetimeFigureOut">
               <a:rPr lang="ko-KR" altLang="en-US" smtClean="0"/>
-              <a:t>2019-02-19</a:t>
+              <a:t>2020-01-08</a:t>
             </a:fld>
             <a:endParaRPr lang="ko-KR" altLang="en-US"/>
           </a:p>
@@ -2351,7 +2351,7 @@
           <a:p>
             <a:fld id="{444D7D7D-1043-4BC6-AE50-DBF2445C52ED}" type="datetimeFigureOut">
               <a:rPr lang="ko-KR" altLang="en-US" smtClean="0"/>
-              <a:t>2019-02-19</a:t>
+              <a:t>2020-01-08</a:t>
             </a:fld>
             <a:endParaRPr lang="ko-KR" altLang="en-US"/>
           </a:p>
@@ -2564,7 +2564,7 @@
           <a:p>
             <a:fld id="{444D7D7D-1043-4BC6-AE50-DBF2445C52ED}" type="datetimeFigureOut">
               <a:rPr lang="ko-KR" altLang="en-US" smtClean="0"/>
-              <a:t>2019-02-19</a:t>
+              <a:t>2020-01-08</a:t>
             </a:fld>
             <a:endParaRPr lang="ko-KR" altLang="en-US"/>
           </a:p>
@@ -3316,8 +3316,8 @@
             </a:xfrm>
             <a:prstGeom prst="chord">
               <a:avLst>
-                <a:gd name="adj1" fmla="val 7976988"/>
-                <a:gd name="adj2" fmla="val 13368512"/>
+                <a:gd name="adj1" fmla="val 5757305"/>
+                <a:gd name="adj2" fmla="val 14379003"/>
               </a:avLst>
             </a:prstGeom>
             <a:solidFill>
@@ -3433,10 +3433,10 @@
         </p:nvGrpSpPr>
         <p:grpSpPr>
           <a:xfrm>
-            <a:off x="6407630" y="2554381"/>
-            <a:ext cx="491704" cy="491333"/>
-            <a:chOff x="5440728" y="3564797"/>
-            <a:chExt cx="491704" cy="491333"/>
+            <a:off x="6396917" y="2554381"/>
+            <a:ext cx="548548" cy="491333"/>
+            <a:chOff x="5430015" y="3564797"/>
+            <a:chExt cx="548548" cy="491333"/>
           </a:xfrm>
         </p:grpSpPr>
         <p:sp>
@@ -3544,8 +3544,8 @@
             </a:xfrm>
             <a:prstGeom prst="chord">
               <a:avLst>
-                <a:gd name="adj1" fmla="val 4857040"/>
-                <a:gd name="adj2" fmla="val 15254434"/>
+                <a:gd name="adj1" fmla="val 7515454"/>
+                <a:gd name="adj2" fmla="val 13067913"/>
               </a:avLst>
             </a:prstGeom>
             <a:solidFill>
@@ -3590,8 +3590,8 @@
           </p:nvSpPr>
           <p:spPr>
             <a:xfrm>
-              <a:off x="5484805" y="3687261"/>
-              <a:ext cx="418704" cy="246221"/>
+              <a:off x="5430015" y="3677336"/>
+              <a:ext cx="548548" cy="246221"/>
             </a:xfrm>
             <a:prstGeom prst="rect">
               <a:avLst/>
@@ -3626,7 +3626,7 @@
                   <a:latin typeface="+mj-lt"/>
                   <a:cs typeface="times" panose="02020603050405020304" pitchFamily="18" charset="0"/>
                 </a:rPr>
-                <a:t>SAS</a:t>
+                <a:t>HTML</a:t>
               </a:r>
               <a:endParaRPr lang="ko-KR" altLang="en-US" sz="1000" b="1" dirty="0">
                 <a:ln w="3175">
